--- a/ipr presentatie.pptx
+++ b/ipr presentatie.pptx
@@ -12,8 +12,9 @@
     <p:sldId id="260" r:id="rId6"/>
     <p:sldId id="261" r:id="rId7"/>
     <p:sldId id="262" r:id="rId8"/>
-    <p:sldId id="263" r:id="rId9"/>
-    <p:sldId id="264" r:id="rId10"/>
+    <p:sldId id="265" r:id="rId9"/>
+    <p:sldId id="263" r:id="rId10"/>
+    <p:sldId id="264" r:id="rId11"/>
   </p:sldIdLst>
   <p:sldSz cx="12192000" cy="6858000"/>
   <p:notesSz cx="6858000" cy="9144000"/>
@@ -112,6 +113,11 @@
       </a:defRPr>
     </a:lvl9pPr>
   </p:defaultTextStyle>
+  <p:extLst>
+    <p:ext uri="{EFAFB233-063F-42B5-8137-9DF3F51BA10A}">
+      <p15:sldGuideLst xmlns:p15="http://schemas.microsoft.com/office/powerpoint/2012/main"/>
+    </p:ext>
+  </p:extLst>
 </p:presentation>
 </file>
 
@@ -5411,12 +5417,39 @@
           <a:p>
             <a:r>
               <a:rPr lang="nl-NL" dirty="0" smtClean="0"/>
-              <a:t>Jeroen Os, René Keijzer</a:t>
+              <a:t>Jeroen van </a:t>
+            </a:r>
+            <a:r>
+              <a:rPr lang="nl-NL" dirty="0" smtClean="0"/>
+              <a:t>Os, René Keijzer</a:t>
             </a:r>
             <a:endParaRPr lang="nl-NL" dirty="0"/>
           </a:p>
         </p:txBody>
       </p:sp>
+      <p:pic>
+        <p:nvPicPr>
+          <p:cNvPr id="4" name="Afbeelding 3"/>
+          <p:cNvPicPr>
+            <a:picLocks noChangeAspect="1"/>
+          </p:cNvPicPr>
+          <p:nvPr/>
+        </p:nvPicPr>
+        <p:blipFill rotWithShape="1">
+          <a:blip r:embed="rId2"/>
+          <a:srcRect l="34829" t="745" r="34829" b="446"/>
+          <a:stretch/>
+        </p:blipFill>
+        <p:spPr>
+          <a:xfrm>
+            <a:off x="8519886" y="0"/>
+            <a:ext cx="3727839" cy="6825236"/>
+          </a:xfrm>
+          <a:prstGeom prst="rect">
+            <a:avLst/>
+          </a:prstGeom>
+        </p:spPr>
+      </p:pic>
     </p:spTree>
     <p:extLst>
       <p:ext uri="{BB962C8B-B14F-4D97-AF65-F5344CB8AC3E}">
@@ -5427,6 +5460,92 @@
   <p:clrMapOvr>
     <a:masterClrMapping/>
   </p:clrMapOvr>
+  <p:timing>
+    <p:tnLst>
+      <p:par>
+        <p:cTn id="1" dur="indefinite" restart="never" nodeType="tmRoot"/>
+      </p:par>
+    </p:tnLst>
+  </p:timing>
+</p:sld>
+</file>
+
+<file path=ppt/slides/slide10.xml><?xml version="1.0" encoding="utf-8"?>
+<p:sld xmlns:a="http://schemas.openxmlformats.org/drawingml/2006/main" xmlns:r="http://schemas.openxmlformats.org/officeDocument/2006/relationships" xmlns:p="http://schemas.openxmlformats.org/presentationml/2006/main">
+  <p:cSld>
+    <p:spTree>
+      <p:nvGrpSpPr>
+        <p:cNvPr id="1" name=""/>
+        <p:cNvGrpSpPr/>
+        <p:nvPr/>
+      </p:nvGrpSpPr>
+      <p:grpSpPr>
+        <a:xfrm>
+          <a:off x="0" y="0"/>
+          <a:ext cx="0" cy="0"/>
+          <a:chOff x="0" y="0"/>
+          <a:chExt cx="0" cy="0"/>
+        </a:xfrm>
+      </p:grpSpPr>
+      <p:sp>
+        <p:nvSpPr>
+          <p:cNvPr id="2" name="Titel 1"/>
+          <p:cNvSpPr>
+            <a:spLocks noGrp="1"/>
+          </p:cNvSpPr>
+          <p:nvPr>
+            <p:ph type="title"/>
+          </p:nvPr>
+        </p:nvSpPr>
+        <p:spPr/>
+        <p:txBody>
+          <a:bodyPr/>
+          <a:lstStyle/>
+          <a:p>
+            <a:r>
+              <a:rPr lang="nl-NL" dirty="0" smtClean="0"/>
+              <a:t>Demonstratie</a:t>
+            </a:r>
+            <a:endParaRPr lang="nl-NL" dirty="0"/>
+          </a:p>
+        </p:txBody>
+      </p:sp>
+      <p:sp>
+        <p:nvSpPr>
+          <p:cNvPr id="3" name="Tijdelijke aanduiding voor inhoud 2"/>
+          <p:cNvSpPr>
+            <a:spLocks noGrp="1"/>
+          </p:cNvSpPr>
+          <p:nvPr>
+            <p:ph idx="1"/>
+          </p:nvPr>
+        </p:nvSpPr>
+        <p:spPr/>
+        <p:txBody>
+          <a:bodyPr/>
+          <a:lstStyle/>
+          <a:p>
+            <a:endParaRPr lang="nl-NL"/>
+          </a:p>
+        </p:txBody>
+      </p:sp>
+    </p:spTree>
+    <p:extLst>
+      <p:ext uri="{BB962C8B-B14F-4D97-AF65-F5344CB8AC3E}">
+        <p14:creationId xmlns:p14="http://schemas.microsoft.com/office/powerpoint/2010/main" val="2757514984"/>
+      </p:ext>
+    </p:extLst>
+  </p:cSld>
+  <p:clrMapOvr>
+    <a:masterClrMapping/>
+  </p:clrMapOvr>
+  <p:timing>
+    <p:tnLst>
+      <p:par>
+        <p:cTn id="1" dur="indefinite" restart="never" nodeType="tmRoot"/>
+      </p:par>
+    </p:tnLst>
+  </p:timing>
 </p:sld>
 </file>
 
@@ -5545,6 +5664,29 @@
           </a:p>
         </p:txBody>
       </p:sp>
+      <p:pic>
+        <p:nvPicPr>
+          <p:cNvPr id="4" name="Afbeelding 3"/>
+          <p:cNvPicPr>
+            <a:picLocks noChangeAspect="1"/>
+          </p:cNvPicPr>
+          <p:nvPr/>
+        </p:nvPicPr>
+        <p:blipFill rotWithShape="1">
+          <a:blip r:embed="rId2"/>
+          <a:srcRect l="34607" t="149" r="34828" b="-348"/>
+          <a:stretch/>
+        </p:blipFill>
+        <p:spPr>
+          <a:xfrm>
+            <a:off x="8508238" y="-10886"/>
+            <a:ext cx="3709162" cy="6836229"/>
+          </a:xfrm>
+          <a:prstGeom prst="rect">
+            <a:avLst/>
+          </a:prstGeom>
+        </p:spPr>
+      </p:pic>
     </p:spTree>
     <p:extLst>
       <p:ext uri="{BB962C8B-B14F-4D97-AF65-F5344CB8AC3E}">
@@ -5555,6 +5697,13 @@
   <p:clrMapOvr>
     <a:masterClrMapping/>
   </p:clrMapOvr>
+  <p:timing>
+    <p:tnLst>
+      <p:par>
+        <p:cTn id="1" dur="indefinite" restart="never" nodeType="tmRoot"/>
+      </p:par>
+    </p:tnLst>
+  </p:timing>
 </p:sld>
 </file>
 
@@ -5638,6 +5787,29 @@
           </a:p>
         </p:txBody>
       </p:sp>
+      <p:pic>
+        <p:nvPicPr>
+          <p:cNvPr id="5" name="Afbeelding 4"/>
+          <p:cNvPicPr>
+            <a:picLocks noChangeAspect="1"/>
+          </p:cNvPicPr>
+          <p:nvPr/>
+        </p:nvPicPr>
+        <p:blipFill rotWithShape="1">
+          <a:blip r:embed="rId2"/>
+          <a:srcRect l="34717" r="35164"/>
+          <a:stretch/>
+        </p:blipFill>
+        <p:spPr>
+          <a:xfrm>
+            <a:off x="8518071" y="0"/>
+            <a:ext cx="3673929" cy="6858000"/>
+          </a:xfrm>
+          <a:prstGeom prst="rect">
+            <a:avLst/>
+          </a:prstGeom>
+        </p:spPr>
+      </p:pic>
     </p:spTree>
     <p:extLst>
       <p:ext uri="{BB962C8B-B14F-4D97-AF65-F5344CB8AC3E}">
@@ -5648,6 +5820,13 @@
   <p:clrMapOvr>
     <a:masterClrMapping/>
   </p:clrMapOvr>
+  <p:timing>
+    <p:tnLst>
+      <p:par>
+        <p:cTn id="1" dur="indefinite" restart="never" nodeType="tmRoot"/>
+      </p:par>
+    </p:tnLst>
+  </p:timing>
 </p:sld>
 </file>
 
@@ -5725,6 +5904,29 @@
           </a:p>
         </p:txBody>
       </p:sp>
+      <p:pic>
+        <p:nvPicPr>
+          <p:cNvPr id="5" name="Afbeelding 4"/>
+          <p:cNvPicPr>
+            <a:picLocks noChangeAspect="1"/>
+          </p:cNvPicPr>
+          <p:nvPr/>
+        </p:nvPicPr>
+        <p:blipFill rotWithShape="1">
+          <a:blip r:embed="rId2"/>
+          <a:srcRect l="34718" t="-397" r="34828" b="397"/>
+          <a:stretch/>
+        </p:blipFill>
+        <p:spPr>
+          <a:xfrm>
+            <a:off x="8447314" y="-55266"/>
+            <a:ext cx="3744686" cy="6913266"/>
+          </a:xfrm>
+          <a:prstGeom prst="rect">
+            <a:avLst/>
+          </a:prstGeom>
+        </p:spPr>
+      </p:pic>
     </p:spTree>
     <p:extLst>
       <p:ext uri="{BB962C8B-B14F-4D97-AF65-F5344CB8AC3E}">
@@ -5735,6 +5937,13 @@
   <p:clrMapOvr>
     <a:masterClrMapping/>
   </p:clrMapOvr>
+  <p:timing>
+    <p:tnLst>
+      <p:par>
+        <p:cTn id="1" dur="indefinite" restart="never" nodeType="tmRoot"/>
+      </p:par>
+    </p:tnLst>
+  </p:timing>
 </p:sld>
 </file>
 
@@ -5853,6 +6062,13 @@
   <p:clrMapOvr>
     <a:masterClrMapping/>
   </p:clrMapOvr>
+  <p:timing>
+    <p:tnLst>
+      <p:par>
+        <p:cTn id="1" dur="indefinite" restart="never" nodeType="tmRoot"/>
+      </p:par>
+    </p:tnLst>
+  </p:timing>
 </p:sld>
 </file>
 
@@ -5948,6 +6164,13 @@
   <p:clrMapOvr>
     <a:masterClrMapping/>
   </p:clrMapOvr>
+  <p:timing>
+    <p:tnLst>
+      <p:par>
+        <p:cTn id="1" dur="indefinite" restart="never" nodeType="tmRoot"/>
+      </p:par>
+    </p:tnLst>
+  </p:timing>
 </p:sld>
 </file>
 
@@ -6070,10 +6293,93 @@
   <p:clrMapOvr>
     <a:masterClrMapping/>
   </p:clrMapOvr>
+  <p:timing>
+    <p:tnLst>
+      <p:par>
+        <p:cTn id="1" dur="indefinite" restart="never" nodeType="tmRoot"/>
+      </p:par>
+    </p:tnLst>
+  </p:timing>
 </p:sld>
 </file>
 
 <file path=ppt/slides/slide8.xml><?xml version="1.0" encoding="utf-8"?>
+<p:sld xmlns:a="http://schemas.openxmlformats.org/drawingml/2006/main" xmlns:r="http://schemas.openxmlformats.org/officeDocument/2006/relationships" xmlns:p="http://schemas.openxmlformats.org/presentationml/2006/main">
+  <p:cSld>
+    <p:spTree>
+      <p:nvGrpSpPr>
+        <p:cNvPr id="1" name=""/>
+        <p:cNvGrpSpPr/>
+        <p:nvPr/>
+      </p:nvGrpSpPr>
+      <p:grpSpPr>
+        <a:xfrm>
+          <a:off x="0" y="0"/>
+          <a:ext cx="0" cy="0"/>
+          <a:chOff x="0" y="0"/>
+          <a:chExt cx="0" cy="0"/>
+        </a:xfrm>
+      </p:grpSpPr>
+      <p:sp>
+        <p:nvSpPr>
+          <p:cNvPr id="2" name="Titel 1"/>
+          <p:cNvSpPr>
+            <a:spLocks noGrp="1"/>
+          </p:cNvSpPr>
+          <p:nvPr>
+            <p:ph type="title"/>
+          </p:nvPr>
+        </p:nvSpPr>
+        <p:spPr/>
+        <p:txBody>
+          <a:bodyPr/>
+          <a:lstStyle/>
+          <a:p>
+            <a:r>
+              <a:rPr lang="nl-NL" smtClean="0"/>
+              <a:t>Code: </a:t>
+            </a:r>
+            <a:r>
+              <a:rPr lang="nl-NL" dirty="0" err="1" smtClean="0"/>
+              <a:t>JSon</a:t>
+            </a:r>
+            <a:endParaRPr lang="nl-NL" dirty="0"/>
+          </a:p>
+        </p:txBody>
+      </p:sp>
+      <p:sp>
+        <p:nvSpPr>
+          <p:cNvPr id="3" name="Tijdelijke aanduiding voor inhoud 2"/>
+          <p:cNvSpPr>
+            <a:spLocks noGrp="1"/>
+          </p:cNvSpPr>
+          <p:nvPr>
+            <p:ph idx="1"/>
+          </p:nvPr>
+        </p:nvSpPr>
+        <p:spPr/>
+        <p:txBody>
+          <a:bodyPr/>
+          <a:lstStyle/>
+          <a:p>
+            <a:endParaRPr lang="nl-NL"/>
+          </a:p>
+        </p:txBody>
+      </p:sp>
+    </p:spTree>
+    <p:extLst>
+      <p:ext uri="{BB962C8B-B14F-4D97-AF65-F5344CB8AC3E}">
+        <p14:creationId xmlns:p14="http://schemas.microsoft.com/office/powerpoint/2010/main" val="785471496"/>
+      </p:ext>
+    </p:extLst>
+  </p:cSld>
+  <p:clrMapOvr>
+    <a:masterClrMapping/>
+  </p:clrMapOvr>
+</p:sld>
+</file>
+
+<file path=ppt/slides/slide9.xml><?xml version="1.0" encoding="utf-8"?>
 <p:sld xmlns:a="http://schemas.openxmlformats.org/drawingml/2006/main" xmlns:r="http://schemas.openxmlformats.org/officeDocument/2006/relationships" xmlns:p="http://schemas.openxmlformats.org/presentationml/2006/main">
   <p:cSld>
     <p:spTree>
@@ -6165,78 +6471,13 @@
   <p:clrMapOvr>
     <a:masterClrMapping/>
   </p:clrMapOvr>
-</p:sld>
-</file>
-
-<file path=ppt/slides/slide9.xml><?xml version="1.0" encoding="utf-8"?>
-<p:sld xmlns:a="http://schemas.openxmlformats.org/drawingml/2006/main" xmlns:r="http://schemas.openxmlformats.org/officeDocument/2006/relationships" xmlns:p="http://schemas.openxmlformats.org/presentationml/2006/main">
-  <p:cSld>
-    <p:spTree>
-      <p:nvGrpSpPr>
-        <p:cNvPr id="1" name=""/>
-        <p:cNvGrpSpPr/>
-        <p:nvPr/>
-      </p:nvGrpSpPr>
-      <p:grpSpPr>
-        <a:xfrm>
-          <a:off x="0" y="0"/>
-          <a:ext cx="0" cy="0"/>
-          <a:chOff x="0" y="0"/>
-          <a:chExt cx="0" cy="0"/>
-        </a:xfrm>
-      </p:grpSpPr>
-      <p:sp>
-        <p:nvSpPr>
-          <p:cNvPr id="2" name="Titel 1"/>
-          <p:cNvSpPr>
-            <a:spLocks noGrp="1"/>
-          </p:cNvSpPr>
-          <p:nvPr>
-            <p:ph type="title"/>
-          </p:nvPr>
-        </p:nvSpPr>
-        <p:spPr/>
-        <p:txBody>
-          <a:bodyPr/>
-          <a:lstStyle/>
-          <a:p>
-            <a:r>
-              <a:rPr lang="nl-NL" smtClean="0"/>
-              <a:t>Demonstratie</a:t>
-            </a:r>
-            <a:endParaRPr lang="nl-NL"/>
-          </a:p>
-        </p:txBody>
-      </p:sp>
-      <p:sp>
-        <p:nvSpPr>
-          <p:cNvPr id="3" name="Tijdelijke aanduiding voor inhoud 2"/>
-          <p:cNvSpPr>
-            <a:spLocks noGrp="1"/>
-          </p:cNvSpPr>
-          <p:nvPr>
-            <p:ph idx="1"/>
-          </p:nvPr>
-        </p:nvSpPr>
-        <p:spPr/>
-        <p:txBody>
-          <a:bodyPr/>
-          <a:lstStyle/>
-          <a:p>
-            <a:endParaRPr lang="nl-NL"/>
-          </a:p>
-        </p:txBody>
-      </p:sp>
-    </p:spTree>
-    <p:extLst>
-      <p:ext uri="{BB962C8B-B14F-4D97-AF65-F5344CB8AC3E}">
-        <p14:creationId xmlns:p14="http://schemas.microsoft.com/office/powerpoint/2010/main" val="2757514984"/>
-      </p:ext>
-    </p:extLst>
-  </p:cSld>
-  <p:clrMapOvr>
-    <a:masterClrMapping/>
-  </p:clrMapOvr>
+  <p:timing>
+    <p:tnLst>
+      <p:par>
+        <p:cTn id="1" dur="indefinite" restart="never" nodeType="tmRoot"/>
+      </p:par>
+    </p:tnLst>
+  </p:timing>
 </p:sld>
 </file>
 
